--- a/python/minesweeper/지뢰찾기 게임.pptx
+++ b/python/minesweeper/지뢰찾기 게임.pptx
@@ -8753,10 +8753,10 @@
               <a:defRPr/>
             </a:pPr>
             <a:r>
-              <a:rPr lang="ko-KR" altLang="en-US"/>
+              <a:rPr lang="ko-KR" altLang="en-US" sz="3300"/>
               <a:t>동작 계획</a:t>
             </a:r>
-            <a:endParaRPr lang="ko-KR" altLang="en-US"/>
+            <a:endParaRPr lang="ko-KR" altLang="en-US" sz="3300"/>
           </a:p>
           <a:p>
             <a:pPr marL="404000" indent="-444000">
@@ -8764,10 +8764,10 @@
               <a:defRPr/>
             </a:pPr>
             <a:r>
-              <a:rPr lang="ko-KR" altLang="en-US"/>
+              <a:rPr lang="ko-KR" altLang="en-US" sz="3300"/>
               <a:t>실제 코딩시 문제점</a:t>
             </a:r>
-            <a:endParaRPr lang="ko-KR" altLang="en-US"/>
+            <a:endParaRPr lang="ko-KR" altLang="en-US" sz="3300"/>
           </a:p>
           <a:p>
             <a:pPr marL="404000" indent="-444000">
@@ -8775,10 +8775,10 @@
               <a:defRPr/>
             </a:pPr>
             <a:r>
-              <a:rPr lang="ko-KR" altLang="en-US"/>
+              <a:rPr lang="ko-KR" altLang="en-US" sz="3300"/>
               <a:t>해결 방법</a:t>
             </a:r>
-            <a:endParaRPr lang="ko-KR" altLang="en-US"/>
+            <a:endParaRPr lang="ko-KR" altLang="en-US" sz="3300"/>
           </a:p>
           <a:p>
             <a:pPr marL="404000" indent="-444000">
@@ -8786,21 +8786,10 @@
               <a:defRPr/>
             </a:pPr>
             <a:r>
-              <a:rPr lang="ko-KR" altLang="en-US"/>
-              <a:t>코드 리뷰</a:t>
-            </a:r>
-            <a:endParaRPr lang="ko-KR" altLang="en-US"/>
-          </a:p>
-          <a:p>
-            <a:pPr marL="404000" indent="-444000">
-              <a:buAutoNum type="circleNumDbPlain"/>
-              <a:defRPr/>
-            </a:pPr>
-            <a:r>
-              <a:rPr lang="ko-KR" altLang="en-US"/>
-              <a:t>실행</a:t>
-            </a:r>
-            <a:endParaRPr lang="ko-KR" altLang="en-US"/>
+              <a:rPr lang="ko-KR" altLang="en-US" sz="3300"/>
+              <a:t>코드 리뷰 및 실행</a:t>
+            </a:r>
+            <a:endParaRPr lang="ko-KR" altLang="en-US" sz="3300"/>
           </a:p>
         </p:txBody>
       </p:sp>
@@ -9869,8 +9858,8 @@
         </p:nvSpPr>
         <p:spPr>
           <a:xfrm>
-            <a:off x="1599313" y="1800889"/>
-            <a:ext cx="8937995" cy="1607156"/>
+            <a:off x="1455329" y="2477163"/>
+            <a:ext cx="9358868" cy="1607157"/>
           </a:xfrm>
           <a:prstGeom prst="rect">
             <a:avLst/>
@@ -9886,7 +9875,7 @@
             </a:pPr>
             <a:r>
               <a:rPr lang="ko-KR" altLang="en-US" sz="10000"/>
-              <a:t>코드 리뷰</a:t>
+              <a:t>코드 리뷰 및 실행</a:t>
             </a:r>
             <a:endParaRPr lang="ko-KR" altLang="en-US" sz="10000"/>
           </a:p>
